--- a/2021-02-13-dplyr-for-beginners.pptx
+++ b/2021-02-13-dplyr-for-beginners.pptx
@@ -253,7 +253,7 @@
           <a:p>
             <a:fld id="{054F8087-A8FF-4811-9AC9-AC78B0A9A274}" type="datetimeFigureOut">
               <a:rPr lang="en-US" smtClean="0"/>
-              <a:t>2/12/2021</a:t>
+              <a:t>2/13/2021</a:t>
             </a:fld>
             <a:endParaRPr lang="en-US"/>
           </a:p>
@@ -423,7 +423,7 @@
           <a:p>
             <a:fld id="{054F8087-A8FF-4811-9AC9-AC78B0A9A274}" type="datetimeFigureOut">
               <a:rPr lang="en-US" smtClean="0"/>
-              <a:t>2/12/2021</a:t>
+              <a:t>2/13/2021</a:t>
             </a:fld>
             <a:endParaRPr lang="en-US"/>
           </a:p>
@@ -603,7 +603,7 @@
           <a:p>
             <a:fld id="{054F8087-A8FF-4811-9AC9-AC78B0A9A274}" type="datetimeFigureOut">
               <a:rPr lang="en-US" smtClean="0"/>
-              <a:t>2/12/2021</a:t>
+              <a:t>2/13/2021</a:t>
             </a:fld>
             <a:endParaRPr lang="en-US"/>
           </a:p>
@@ -773,7 +773,7 @@
           <a:p>
             <a:fld id="{054F8087-A8FF-4811-9AC9-AC78B0A9A274}" type="datetimeFigureOut">
               <a:rPr lang="en-US" smtClean="0"/>
-              <a:t>2/12/2021</a:t>
+              <a:t>2/13/2021</a:t>
             </a:fld>
             <a:endParaRPr lang="en-US"/>
           </a:p>
@@ -1019,7 +1019,7 @@
           <a:p>
             <a:fld id="{054F8087-A8FF-4811-9AC9-AC78B0A9A274}" type="datetimeFigureOut">
               <a:rPr lang="en-US" smtClean="0"/>
-              <a:t>2/12/2021</a:t>
+              <a:t>2/13/2021</a:t>
             </a:fld>
             <a:endParaRPr lang="en-US"/>
           </a:p>
@@ -1251,7 +1251,7 @@
           <a:p>
             <a:fld id="{054F8087-A8FF-4811-9AC9-AC78B0A9A274}" type="datetimeFigureOut">
               <a:rPr lang="en-US" smtClean="0"/>
-              <a:t>2/12/2021</a:t>
+              <a:t>2/13/2021</a:t>
             </a:fld>
             <a:endParaRPr lang="en-US"/>
           </a:p>
@@ -1618,7 +1618,7 @@
           <a:p>
             <a:fld id="{054F8087-A8FF-4811-9AC9-AC78B0A9A274}" type="datetimeFigureOut">
               <a:rPr lang="en-US" smtClean="0"/>
-              <a:t>2/12/2021</a:t>
+              <a:t>2/13/2021</a:t>
             </a:fld>
             <a:endParaRPr lang="en-US"/>
           </a:p>
@@ -1736,7 +1736,7 @@
           <a:p>
             <a:fld id="{054F8087-A8FF-4811-9AC9-AC78B0A9A274}" type="datetimeFigureOut">
               <a:rPr lang="en-US" smtClean="0"/>
-              <a:t>2/12/2021</a:t>
+              <a:t>2/13/2021</a:t>
             </a:fld>
             <a:endParaRPr lang="en-US"/>
           </a:p>
@@ -1831,7 +1831,7 @@
           <a:p>
             <a:fld id="{054F8087-A8FF-4811-9AC9-AC78B0A9A274}" type="datetimeFigureOut">
               <a:rPr lang="en-US" smtClean="0"/>
-              <a:t>2/12/2021</a:t>
+              <a:t>2/13/2021</a:t>
             </a:fld>
             <a:endParaRPr lang="en-US"/>
           </a:p>
@@ -2108,7 +2108,7 @@
           <a:p>
             <a:fld id="{054F8087-A8FF-4811-9AC9-AC78B0A9A274}" type="datetimeFigureOut">
               <a:rPr lang="en-US" smtClean="0"/>
-              <a:t>2/12/2021</a:t>
+              <a:t>2/13/2021</a:t>
             </a:fld>
             <a:endParaRPr lang="en-US"/>
           </a:p>
@@ -2361,7 +2361,7 @@
           <a:p>
             <a:fld id="{054F8087-A8FF-4811-9AC9-AC78B0A9A274}" type="datetimeFigureOut">
               <a:rPr lang="en-US" smtClean="0"/>
-              <a:t>2/12/2021</a:t>
+              <a:t>2/13/2021</a:t>
             </a:fld>
             <a:endParaRPr lang="en-US"/>
           </a:p>
@@ -2574,7 +2574,7 @@
           <a:p>
             <a:fld id="{054F8087-A8FF-4811-9AC9-AC78B0A9A274}" type="datetimeFigureOut">
               <a:rPr lang="en-US" smtClean="0"/>
-              <a:t>2/12/2021</a:t>
+              <a:t>2/13/2021</a:t>
             </a:fld>
             <a:endParaRPr lang="en-US"/>
           </a:p>
@@ -3037,11 +3037,7 @@
             </a:br>
             <a:r>
               <a:rPr lang="en-US" dirty="0" smtClean="0"/>
-              <a:t>Earl </a:t>
-            </a:r>
-            <a:r>
-              <a:rPr lang="en-US" dirty="0" smtClean="0"/>
-              <a:t>F Glynn</a:t>
+              <a:t>Earl F Glynn</a:t>
             </a:r>
           </a:p>
           <a:p>
@@ -3061,8 +3057,8 @@
         </p:nvSpPr>
         <p:spPr>
           <a:xfrm>
-            <a:off x="1652337" y="5646821"/>
-            <a:ext cx="528671" cy="369332"/>
+            <a:off x="3768730" y="5257800"/>
+            <a:ext cx="4859535" cy="369332"/>
           </a:xfrm>
           <a:prstGeom prst="rect">
             <a:avLst/>
@@ -3076,8 +3072,8 @@
           <a:lstStyle/>
           <a:p>
             <a:r>
-              <a:rPr lang="en-US" dirty="0" err="1" smtClean="0"/>
-              <a:t>httt</a:t>
+              <a:rPr lang="en-US" dirty="0"/>
+              <a:t>https://github.com/EarlGlynn/dplyr-for-beginners</a:t>
             </a:r>
             <a:endParaRPr lang="en-US" dirty="0"/>
           </a:p>
@@ -3198,6 +3194,36 @@
           </a:prstGeom>
         </p:spPr>
       </p:pic>
+      <p:sp>
+        <p:nvSpPr>
+          <p:cNvPr id="5" name="TextBox 4"/>
+          <p:cNvSpPr txBox="1"/>
+          <p:nvPr/>
+        </p:nvSpPr>
+        <p:spPr>
+          <a:xfrm>
+            <a:off x="838200" y="5737123"/>
+            <a:ext cx="4859535" cy="369332"/>
+          </a:xfrm>
+          <a:prstGeom prst="rect">
+            <a:avLst/>
+          </a:prstGeom>
+          <a:noFill/>
+        </p:spPr>
+        <p:txBody>
+          <a:bodyPr wrap="none" rtlCol="0">
+            <a:spAutoFit/>
+          </a:bodyPr>
+          <a:lstStyle/>
+          <a:p>
+            <a:r>
+              <a:rPr lang="en-US" dirty="0"/>
+              <a:t>https://github.com/EarlGlynn/dplyr-for-beginners</a:t>
+            </a:r>
+            <a:endParaRPr lang="en-US" dirty="0"/>
+          </a:p>
+        </p:txBody>
+      </p:sp>
     </p:spTree>
     <p:extLst>
       <p:ext uri="{BB962C8B-B14F-4D97-AF65-F5344CB8AC3E}">
@@ -3259,7 +3285,6 @@
               <a:rPr lang="en-US" dirty="0"/>
               <a:t> with databases</a:t>
             </a:r>
-            <a:endParaRPr lang="en-US" dirty="0"/>
           </a:p>
         </p:txBody>
       </p:sp>
@@ -4298,11 +4323,6 @@
               </a:rPr>
               <a:t>") </a:t>
             </a:r>
-            <a:endParaRPr lang="en-US" dirty="0">
-              <a:solidFill>
-                <a:srgbClr val="0070C0"/>
-              </a:solidFill>
-            </a:endParaRPr>
           </a:p>
           <a:p>
             <a:pPr marL="0" indent="0">
